--- a/BodyExpendReserch/開発/AOEar4Q構想.pptx
+++ b/BodyExpendReserch/開発/AOEar4Q構想.pptx
@@ -1326,7 +1326,7 @@
   <p:cSld>
     <p:spTree>
       <p:nvGrpSpPr>
-        <p:cNvPr id="182" name="Shape 182"/>
+        <p:cNvPr id="181" name="Shape 181"/>
         <p:cNvGrpSpPr/>
         <p:nvPr/>
       </p:nvGrpSpPr>
@@ -1340,7 +1340,7 @@
       </p:grpSpPr>
       <p:sp>
         <p:nvSpPr>
-          <p:cNvPr id="183" name="Google Shape;183;g1bc61cdf11e_0_1:notes"/>
+          <p:cNvPr id="182" name="Google Shape;182;g1bc61cdf11e_0_1:notes"/>
           <p:cNvSpPr/>
           <p:nvPr>
             <p:ph idx="2" type="sldImg"/>
@@ -1375,7 +1375,7 @@
       </p:sp>
       <p:sp>
         <p:nvSpPr>
-          <p:cNvPr id="184" name="Google Shape;184;g1bc61cdf11e_0_1:notes"/>
+          <p:cNvPr id="183" name="Google Shape;183;g1bc61cdf11e_0_1:notes"/>
           <p:cNvSpPr txBox="1"/>
           <p:nvPr>
             <p:ph idx="1" type="body"/>
@@ -17340,7 +17340,7 @@
         </p:nvSpPr>
         <p:spPr>
           <a:xfrm>
-            <a:off x="66175" y="1281050"/>
+            <a:off x="66175" y="1194188"/>
             <a:ext cx="9144000" cy="747300"/>
           </a:xfrm>
           <a:prstGeom prst="rect">
@@ -17372,7 +17372,7 @@
             </a:pPr>
             <a:r>
               <a:rPr b="1" lang="ja" sz="1700"/>
-              <a:t>複数のマイクから得た音を合成してユーザーにフィードバック</a:t>
+              <a:t>Respeakerで複数のマイクから得た音を合成してユーザーにフィードバック</a:t>
             </a:r>
             <a:endParaRPr b="1" sz="1700"/>
           </a:p>
@@ -17392,7 +17392,7 @@
             </a:pPr>
             <a:r>
               <a:rPr b="1" lang="ja" sz="1700"/>
-              <a:t>ユーザーは何かしらの操作をすることである方向に耳能力を集中させられる</a:t>
+              <a:t>ユーザーはキーボードから方向を入力することである方向に耳能力を集中させられる</a:t>
             </a:r>
             <a:endParaRPr b="1" sz="1700"/>
           </a:p>
@@ -17402,66 +17402,13 @@
         <p:nvSpPr>
           <p:cNvPr id="179" name="Google Shape;179;p30"/>
           <p:cNvSpPr txBox="1"/>
-          <p:nvPr/>
-        </p:nvSpPr>
-        <p:spPr>
-          <a:xfrm>
-            <a:off x="1676300" y="4227250"/>
-            <a:ext cx="5458800" cy="492600"/>
-          </a:xfrm>
-          <a:prstGeom prst="rect">
-            <a:avLst/>
-          </a:prstGeom>
-          <a:noFill/>
-          <a:ln>
-            <a:noFill/>
-          </a:ln>
-        </p:spPr>
-        <p:txBody>
-          <a:bodyPr anchorCtr="0" anchor="t" bIns="91425" lIns="91425" spcFirstLastPara="1" rIns="91425" wrap="square" tIns="91425">
-            <a:spAutoFit/>
-          </a:bodyPr>
-          <a:lstStyle/>
-          <a:p>
-            <a:pPr indent="0" lvl="0" marL="0" rtl="0" algn="l">
-              <a:lnSpc>
-                <a:spcPct val="115000"/>
-              </a:lnSpc>
-              <a:spcBef>
-                <a:spcPts val="1200"/>
-              </a:spcBef>
-              <a:spcAft>
-                <a:spcPts val="1200"/>
-              </a:spcAft>
-              <a:buNone/>
-            </a:pPr>
-            <a:r>
-              <a:rPr b="1" lang="ja" sz="2000">
-                <a:solidFill>
-                  <a:schemeClr val="dk2"/>
-                </a:solidFill>
-              </a:rPr>
-              <a:t>4Qでは上を重点課題として開発を進める</a:t>
-            </a:r>
-            <a:endParaRPr b="1" sz="2000">
-              <a:solidFill>
-                <a:schemeClr val="dk2"/>
-              </a:solidFill>
-            </a:endParaRPr>
-          </a:p>
-        </p:txBody>
-      </p:sp>
-      <p:sp>
-        <p:nvSpPr>
-          <p:cNvPr id="180" name="Google Shape;180;p30"/>
-          <p:cNvSpPr txBox="1"/>
           <p:nvPr>
             <p:ph type="title"/>
           </p:nvPr>
         </p:nvSpPr>
         <p:spPr>
           <a:xfrm>
-            <a:off x="303300" y="2176700"/>
+            <a:off x="303300" y="2385388"/>
             <a:ext cx="8520600" cy="639600"/>
           </a:xfrm>
           <a:prstGeom prst="rect">
@@ -17489,7 +17436,7 @@
                   <a:srgbClr val="0097A7"/>
                 </a:solidFill>
               </a:rPr>
-              <a:t>４Qで作るもの(Step2)</a:t>
+              <a:t>システム構成</a:t>
             </a:r>
             <a:endParaRPr>
               <a:solidFill>
@@ -17501,14 +17448,14 @@
       </p:sp>
       <p:sp>
         <p:nvSpPr>
-          <p:cNvPr id="181" name="Google Shape;181;p30"/>
+          <p:cNvPr id="180" name="Google Shape;180;p30"/>
           <p:cNvSpPr txBox="1"/>
           <p:nvPr/>
         </p:nvSpPr>
         <p:spPr>
           <a:xfrm>
-            <a:off x="66175" y="3092625"/>
-            <a:ext cx="9144000" cy="446400"/>
+            <a:off x="197100" y="3102013"/>
+            <a:ext cx="9144000" cy="1048200"/>
           </a:xfrm>
           <a:prstGeom prst="rect">
             <a:avLst/>
@@ -17539,7 +17486,51 @@
             </a:pPr>
             <a:r>
               <a:rPr b="1" lang="ja" sz="1700"/>
-              <a:t>Step1の作成物に加えて検閲ワードによる自動耳能力集中</a:t>
+              <a:t>Respeaker4＋</a:t>
+            </a:r>
+            <a:r>
+              <a:rPr b="1" lang="ja" sz="1700"/>
+              <a:t>ラズパイ4</a:t>
+            </a:r>
+            <a:endParaRPr b="1" sz="1700"/>
+          </a:p>
+          <a:p>
+            <a:pPr indent="-336550" lvl="0" marL="457200" rtl="0" algn="l">
+              <a:lnSpc>
+                <a:spcPct val="115000"/>
+              </a:lnSpc>
+              <a:spcBef>
+                <a:spcPts val="0"/>
+              </a:spcBef>
+              <a:spcAft>
+                <a:spcPts val="0"/>
+              </a:spcAft>
+              <a:buSzPts val="1700"/>
+              <a:buChar char="❏"/>
+            </a:pPr>
+            <a:r>
+              <a:rPr b="1" lang="ja" sz="1700"/>
+              <a:t>ノイズキャンセリングヘッドフォン</a:t>
+            </a:r>
+            <a:endParaRPr b="1" sz="1700"/>
+          </a:p>
+          <a:p>
+            <a:pPr indent="-336550" lvl="0" marL="457200" rtl="0" algn="l">
+              <a:lnSpc>
+                <a:spcPct val="115000"/>
+              </a:lnSpc>
+              <a:spcBef>
+                <a:spcPts val="0"/>
+              </a:spcBef>
+              <a:spcAft>
+                <a:spcPts val="0"/>
+              </a:spcAft>
+              <a:buSzPts val="1700"/>
+              <a:buChar char="❏"/>
+            </a:pPr>
+            <a:r>
+              <a:rPr b="1" lang="ja" sz="1700"/>
+              <a:t>ワイヤレスキーボード</a:t>
             </a:r>
             <a:endParaRPr b="1" sz="1700"/>
           </a:p>
@@ -17565,7 +17556,7 @@
     </p:bg>
     <p:spTree>
       <p:nvGrpSpPr>
-        <p:cNvPr id="185" name="Shape 185"/>
+        <p:cNvPr id="184" name="Shape 184"/>
         <p:cNvGrpSpPr/>
         <p:nvPr/>
       </p:nvGrpSpPr>
@@ -17579,7 +17570,7 @@
       </p:grpSpPr>
       <p:sp>
         <p:nvSpPr>
-          <p:cNvPr id="186" name="Google Shape;186;p31"/>
+          <p:cNvPr id="185" name="Google Shape;185;p31"/>
           <p:cNvSpPr txBox="1"/>
           <p:nvPr>
             <p:ph type="title"/>
@@ -17627,7 +17618,7 @@
       </p:sp>
       <p:sp>
         <p:nvSpPr>
-          <p:cNvPr id="187" name="Google Shape;187;p31"/>
+          <p:cNvPr id="186" name="Google Shape;186;p31"/>
           <p:cNvSpPr txBox="1"/>
           <p:nvPr>
             <p:ph idx="12" type="sldNum"/>
@@ -17672,14 +17663,14 @@
       </p:sp>
       <p:sp>
         <p:nvSpPr>
-          <p:cNvPr id="188" name="Google Shape;188;p31"/>
+          <p:cNvPr id="187" name="Google Shape;187;p31"/>
           <p:cNvSpPr txBox="1"/>
           <p:nvPr/>
         </p:nvSpPr>
         <p:spPr>
           <a:xfrm>
             <a:off x="66175" y="1281050"/>
-            <a:ext cx="9144000" cy="1048200"/>
+            <a:ext cx="9144000" cy="2251800"/>
           </a:xfrm>
           <a:prstGeom prst="rect">
             <a:avLst/>
@@ -17717,7 +17708,38 @@
                   <a:schemeClr val="dk2"/>
                 </a:solidFill>
               </a:rPr>
-              <a:t>まずは手段によらないシステム図に落とす</a:t>
+              <a:t>音源分離やビームフォーミングの要素技術について，本を使って実装しながら学ぶ</a:t>
+            </a:r>
+            <a:endParaRPr b="1" sz="1700">
+              <a:solidFill>
+                <a:schemeClr val="dk2"/>
+              </a:solidFill>
+            </a:endParaRPr>
+          </a:p>
+          <a:p>
+            <a:pPr indent="-336550" lvl="1" marL="914400" rtl="0" algn="l">
+              <a:lnSpc>
+                <a:spcPct val="115000"/>
+              </a:lnSpc>
+              <a:spcBef>
+                <a:spcPts val="0"/>
+              </a:spcBef>
+              <a:spcAft>
+                <a:spcPts val="0"/>
+              </a:spcAft>
+              <a:buClr>
+                <a:schemeClr val="dk2"/>
+              </a:buClr>
+              <a:buSzPts val="1700"/>
+              <a:buChar char="❏"/>
+            </a:pPr>
+            <a:r>
+              <a:rPr b="1" lang="ja" sz="1700">
+                <a:solidFill>
+                  <a:schemeClr val="dk2"/>
+                </a:solidFill>
+              </a:rPr>
+              <a:t>本当に可能か判断</a:t>
             </a:r>
             <a:endParaRPr b="1" sz="1700">
               <a:solidFill>
@@ -17748,7 +17770,38 @@
                   <a:schemeClr val="dk2"/>
                 </a:solidFill>
               </a:rPr>
-              <a:t>音源分離やビームフォーミングの要素技術について，本を使って実装しながら学ぶ</a:t>
+              <a:t>開発環境構築</a:t>
+            </a:r>
+            <a:endParaRPr b="1" sz="1700">
+              <a:solidFill>
+                <a:schemeClr val="dk2"/>
+              </a:solidFill>
+            </a:endParaRPr>
+          </a:p>
+          <a:p>
+            <a:pPr indent="-336550" lvl="1" marL="914400" rtl="0" algn="l">
+              <a:lnSpc>
+                <a:spcPct val="115000"/>
+              </a:lnSpc>
+              <a:spcBef>
+                <a:spcPts val="0"/>
+              </a:spcBef>
+              <a:spcAft>
+                <a:spcPts val="0"/>
+              </a:spcAft>
+              <a:buClr>
+                <a:schemeClr val="dk2"/>
+              </a:buClr>
+              <a:buSzPts val="1700"/>
+              <a:buChar char="❏"/>
+            </a:pPr>
+            <a:r>
+              <a:rPr b="1" lang="ja" sz="1700">
+                <a:solidFill>
+                  <a:schemeClr val="dk2"/>
+                </a:solidFill>
+              </a:rPr>
+              <a:t>Ubuntuインストール</a:t>
             </a:r>
             <a:endParaRPr b="1" sz="1700">
               <a:solidFill>
@@ -17779,7 +17832,69 @@
                   <a:schemeClr val="dk2"/>
                 </a:solidFill>
               </a:rPr>
+              <a:t>手段によらないシステム図に落とす</a:t>
+            </a:r>
+            <a:endParaRPr b="1" sz="1700">
+              <a:solidFill>
+                <a:schemeClr val="dk2"/>
+              </a:solidFill>
+            </a:endParaRPr>
+          </a:p>
+          <a:p>
+            <a:pPr indent="-336550" lvl="0" marL="457200" rtl="0" algn="l">
+              <a:lnSpc>
+                <a:spcPct val="115000"/>
+              </a:lnSpc>
+              <a:spcBef>
+                <a:spcPts val="0"/>
+              </a:spcBef>
+              <a:spcAft>
+                <a:spcPts val="0"/>
+              </a:spcAft>
+              <a:buClr>
+                <a:schemeClr val="dk2"/>
+              </a:buClr>
+              <a:buSzPts val="1700"/>
+              <a:buChar char="❏"/>
+            </a:pPr>
+            <a:r>
+              <a:rPr b="1" lang="ja" sz="1700">
+                <a:solidFill>
+                  <a:schemeClr val="dk2"/>
+                </a:solidFill>
+              </a:rPr>
               <a:t>ラズパイ＋Respeakerで実装</a:t>
+            </a:r>
+            <a:endParaRPr b="1" sz="1700">
+              <a:solidFill>
+                <a:schemeClr val="dk2"/>
+              </a:solidFill>
+            </a:endParaRPr>
+          </a:p>
+          <a:p>
+            <a:pPr indent="-336550" lvl="1" marL="914400" rtl="0" algn="l">
+              <a:lnSpc>
+                <a:spcPct val="115000"/>
+              </a:lnSpc>
+              <a:spcBef>
+                <a:spcPts val="0"/>
+              </a:spcBef>
+              <a:spcAft>
+                <a:spcPts val="0"/>
+              </a:spcAft>
+              <a:buClr>
+                <a:schemeClr val="dk2"/>
+              </a:buClr>
+              <a:buSzPts val="1700"/>
+              <a:buChar char="❏"/>
+            </a:pPr>
+            <a:r>
+              <a:rPr b="1" lang="ja" sz="1700">
+                <a:solidFill>
+                  <a:schemeClr val="dk2"/>
+                </a:solidFill>
+              </a:rPr>
+              <a:t>出先で家のラズパイを操作できるようにする</a:t>
             </a:r>
             <a:endParaRPr b="1" sz="1700">
               <a:solidFill>
@@ -17798,44 +17913,44 @@
 </file>
 
 <file path=ppt/theme/theme1.xml><?xml version="1.0" encoding="utf-8"?>
-<a:theme xmlns:a="http://schemas.openxmlformats.org/drawingml/2006/main" xmlns:r="http://schemas.openxmlformats.org/officeDocument/2006/relationships" name="Simple Light">
+<a:theme xmlns:a="http://schemas.openxmlformats.org/drawingml/2006/main" xmlns:r="http://schemas.openxmlformats.org/officeDocument/2006/relationships" name="Swiss">
   <a:themeElements>
-    <a:clrScheme name="Simple Light">
+    <a:clrScheme name="Swiss">
       <a:dk1>
-        <a:srgbClr val="000000"/>
+        <a:srgbClr val="F46524"/>
       </a:dk1>
       <a:lt1>
         <a:srgbClr val="FFFFFF"/>
       </a:lt1>
       <a:dk2>
-        <a:srgbClr val="595959"/>
+        <a:srgbClr val="000000"/>
       </a:dk2>
       <a:lt2>
-        <a:srgbClr val="EEEEEE"/>
+        <a:srgbClr val="757575"/>
       </a:lt2>
       <a:accent1>
-        <a:srgbClr val="4285F4"/>
+        <a:srgbClr val="01579B"/>
       </a:accent1>
       <a:accent2>
-        <a:srgbClr val="212121"/>
+        <a:srgbClr val="27C7BD"/>
       </a:accent2>
       <a:accent3>
-        <a:srgbClr val="78909C"/>
+        <a:srgbClr val="0099E8"/>
       </a:accent3>
       <a:accent4>
-        <a:srgbClr val="FFAB40"/>
+        <a:srgbClr val="51B9A3"/>
       </a:accent4>
       <a:accent5>
-        <a:srgbClr val="0097A7"/>
+        <a:srgbClr val="FB8C00"/>
       </a:accent5>
       <a:accent6>
-        <a:srgbClr val="EEFF41"/>
+        <a:srgbClr val="FFAE88"/>
       </a:accent6>
       <a:hlink>
-        <a:srgbClr val="0097A7"/>
+        <a:srgbClr val="0277BD"/>
       </a:hlink>
       <a:folHlink>
-        <a:srgbClr val="0097A7"/>
+        <a:srgbClr val="0277BD"/>
       </a:folHlink>
     </a:clrScheme>
     <a:fontScheme name="Office">
@@ -18077,44 +18192,44 @@
 </file>
 
 <file path=ppt/theme/theme2.xml><?xml version="1.0" encoding="utf-8"?>
-<a:theme xmlns:a="http://schemas.openxmlformats.org/drawingml/2006/main" xmlns:r="http://schemas.openxmlformats.org/officeDocument/2006/relationships" name="Swiss">
+<a:theme xmlns:a="http://schemas.openxmlformats.org/drawingml/2006/main" xmlns:r="http://schemas.openxmlformats.org/officeDocument/2006/relationships" name="Simple Light">
   <a:themeElements>
-    <a:clrScheme name="Swiss">
+    <a:clrScheme name="Simple Light">
       <a:dk1>
-        <a:srgbClr val="F46524"/>
+        <a:srgbClr val="000000"/>
       </a:dk1>
       <a:lt1>
         <a:srgbClr val="FFFFFF"/>
       </a:lt1>
       <a:dk2>
-        <a:srgbClr val="000000"/>
+        <a:srgbClr val="595959"/>
       </a:dk2>
       <a:lt2>
-        <a:srgbClr val="757575"/>
+        <a:srgbClr val="EEEEEE"/>
       </a:lt2>
       <a:accent1>
-        <a:srgbClr val="01579B"/>
+        <a:srgbClr val="4285F4"/>
       </a:accent1>
       <a:accent2>
-        <a:srgbClr val="27C7BD"/>
+        <a:srgbClr val="212121"/>
       </a:accent2>
       <a:accent3>
-        <a:srgbClr val="0099E8"/>
+        <a:srgbClr val="78909C"/>
       </a:accent3>
       <a:accent4>
-        <a:srgbClr val="51B9A3"/>
+        <a:srgbClr val="FFAB40"/>
       </a:accent4>
       <a:accent5>
-        <a:srgbClr val="FB8C00"/>
+        <a:srgbClr val="0097A7"/>
       </a:accent5>
       <a:accent6>
-        <a:srgbClr val="FFAE88"/>
+        <a:srgbClr val="EEFF41"/>
       </a:accent6>
       <a:hlink>
-        <a:srgbClr val="0277BD"/>
+        <a:srgbClr val="0097A7"/>
       </a:hlink>
       <a:folHlink>
-        <a:srgbClr val="0277BD"/>
+        <a:srgbClr val="0097A7"/>
       </a:folHlink>
     </a:clrScheme>
     <a:fontScheme name="Office">
